--- a/中越詩歌/天使報信_Kìa Thiên Binh Cùng Nhau Trổi Hát.pptx
+++ b/中越詩歌/天使報信_Kìa Thiên Binh Cùng Nhau Trổi Hát.pptx
@@ -144,6 +144,11 @@
       </a:defRPr>
     </a:lvl9pPr>
   </p:defaultTextStyle>
+  <p:extLst>
+    <p:ext uri="{EFAFB233-063F-42B5-8137-9DF3F51BA10A}">
+      <p15:sldGuideLst xmlns:p15="http://schemas.microsoft.com/office/powerpoint/2012/main"/>
+    </p:ext>
+  </p:extLst>
 </p:presentation>
 </file>
 
@@ -328,7 +333,7 @@
           <a:p>
             <a:fld id="{F98C8AF4-3B58-4868-8ABF-BFB3B1D0CE14}" type="datetimeFigureOut">
               <a:rPr lang="vi-VN" smtClean="0"/>
-              <a:t>19/12/2021</a:t>
+              <a:t>20/12/2022</a:t>
             </a:fld>
             <a:endParaRPr lang="vi-VN"/>
           </a:p>
@@ -498,7 +503,7 @@
           <a:p>
             <a:fld id="{F98C8AF4-3B58-4868-8ABF-BFB3B1D0CE14}" type="datetimeFigureOut">
               <a:rPr lang="vi-VN" smtClean="0"/>
-              <a:t>19/12/2021</a:t>
+              <a:t>20/12/2022</a:t>
             </a:fld>
             <a:endParaRPr lang="vi-VN"/>
           </a:p>
@@ -678,7 +683,7 @@
           <a:p>
             <a:fld id="{F98C8AF4-3B58-4868-8ABF-BFB3B1D0CE14}" type="datetimeFigureOut">
               <a:rPr lang="vi-VN" smtClean="0"/>
-              <a:t>19/12/2021</a:t>
+              <a:t>20/12/2022</a:t>
             </a:fld>
             <a:endParaRPr lang="vi-VN"/>
           </a:p>
@@ -848,7 +853,7 @@
           <a:p>
             <a:fld id="{F98C8AF4-3B58-4868-8ABF-BFB3B1D0CE14}" type="datetimeFigureOut">
               <a:rPr lang="vi-VN" smtClean="0"/>
-              <a:t>19/12/2021</a:t>
+              <a:t>20/12/2022</a:t>
             </a:fld>
             <a:endParaRPr lang="vi-VN"/>
           </a:p>
@@ -1094,7 +1099,7 @@
           <a:p>
             <a:fld id="{F98C8AF4-3B58-4868-8ABF-BFB3B1D0CE14}" type="datetimeFigureOut">
               <a:rPr lang="vi-VN" smtClean="0"/>
-              <a:t>19/12/2021</a:t>
+              <a:t>20/12/2022</a:t>
             </a:fld>
             <a:endParaRPr lang="vi-VN"/>
           </a:p>
@@ -1382,7 +1387,7 @@
           <a:p>
             <a:fld id="{F98C8AF4-3B58-4868-8ABF-BFB3B1D0CE14}" type="datetimeFigureOut">
               <a:rPr lang="vi-VN" smtClean="0"/>
-              <a:t>19/12/2021</a:t>
+              <a:t>20/12/2022</a:t>
             </a:fld>
             <a:endParaRPr lang="vi-VN"/>
           </a:p>
@@ -1804,7 +1809,7 @@
           <a:p>
             <a:fld id="{F98C8AF4-3B58-4868-8ABF-BFB3B1D0CE14}" type="datetimeFigureOut">
               <a:rPr lang="vi-VN" smtClean="0"/>
-              <a:t>19/12/2021</a:t>
+              <a:t>20/12/2022</a:t>
             </a:fld>
             <a:endParaRPr lang="vi-VN"/>
           </a:p>
@@ -1922,7 +1927,7 @@
           <a:p>
             <a:fld id="{F98C8AF4-3B58-4868-8ABF-BFB3B1D0CE14}" type="datetimeFigureOut">
               <a:rPr lang="vi-VN" smtClean="0"/>
-              <a:t>19/12/2021</a:t>
+              <a:t>20/12/2022</a:t>
             </a:fld>
             <a:endParaRPr lang="vi-VN"/>
           </a:p>
@@ -2017,7 +2022,7 @@
           <a:p>
             <a:fld id="{F98C8AF4-3B58-4868-8ABF-BFB3B1D0CE14}" type="datetimeFigureOut">
               <a:rPr lang="vi-VN" smtClean="0"/>
-              <a:t>19/12/2021</a:t>
+              <a:t>20/12/2022</a:t>
             </a:fld>
             <a:endParaRPr lang="vi-VN"/>
           </a:p>
@@ -2294,7 +2299,7 @@
           <a:p>
             <a:fld id="{F98C8AF4-3B58-4868-8ABF-BFB3B1D0CE14}" type="datetimeFigureOut">
               <a:rPr lang="vi-VN" smtClean="0"/>
-              <a:t>19/12/2021</a:t>
+              <a:t>20/12/2022</a:t>
             </a:fld>
             <a:endParaRPr lang="vi-VN"/>
           </a:p>
@@ -2551,7 +2556,7 @@
           <a:p>
             <a:fld id="{F98C8AF4-3B58-4868-8ABF-BFB3B1D0CE14}" type="datetimeFigureOut">
               <a:rPr lang="vi-VN" smtClean="0"/>
-              <a:t>19/12/2021</a:t>
+              <a:t>20/12/2022</a:t>
             </a:fld>
             <a:endParaRPr lang="vi-VN"/>
           </a:p>
@@ -2769,7 +2774,7 @@
           <a:p>
             <a:fld id="{F98C8AF4-3B58-4868-8ABF-BFB3B1D0CE14}" type="datetimeFigureOut">
               <a:rPr lang="vi-VN" smtClean="0"/>
-              <a:t>19/12/2021</a:t>
+              <a:t>20/12/2022</a:t>
             </a:fld>
             <a:endParaRPr lang="vi-VN"/>
           </a:p>
@@ -3597,7 +3602,7 @@
                   <a:srgbClr val="000066"/>
                 </a:solidFill>
               </a:rPr>
-              <a:t>( 1 )</a:t>
+              <a:t>( 1 / 4 )</a:t>
             </a:r>
             <a:endParaRPr lang="vi-VN" sz="4267" b="1" dirty="0">
               <a:solidFill>
@@ -3895,7 +3900,7 @@
                   <a:srgbClr val="000066"/>
                 </a:solidFill>
               </a:rPr>
-              <a:t>( 1 )</a:t>
+              <a:t>( 1 / 4 )</a:t>
             </a:r>
             <a:endParaRPr lang="vi-VN" sz="4267" b="1" dirty="0">
               <a:solidFill>
@@ -4209,7 +4214,7 @@
                   <a:srgbClr val="000066"/>
                 </a:solidFill>
               </a:rPr>
-              <a:t>)</a:t>
+              <a:t>/ 4 )</a:t>
             </a:r>
             <a:endParaRPr lang="vi-VN" sz="4267" b="1" dirty="0">
               <a:solidFill>
@@ -4507,23 +4512,7 @@
                   <a:srgbClr val="000066"/>
                 </a:solidFill>
               </a:rPr>
-              <a:t>( </a:t>
-            </a:r>
-            <a:r>
-              <a:rPr lang="en-US" sz="4267" b="1" dirty="0" smtClean="0">
-                <a:solidFill>
-                  <a:srgbClr val="000066"/>
-                </a:solidFill>
-              </a:rPr>
-              <a:t>2 </a:t>
-            </a:r>
-            <a:r>
-              <a:rPr lang="en-US" sz="4267" b="1" dirty="0">
-                <a:solidFill>
-                  <a:srgbClr val="000066"/>
-                </a:solidFill>
-              </a:rPr>
-              <a:t>)</a:t>
+              <a:t>( 2 / 4 )</a:t>
             </a:r>
             <a:endParaRPr lang="vi-VN" sz="4267" b="1" dirty="0">
               <a:solidFill>
@@ -4821,23 +4810,7 @@
                   <a:srgbClr val="000066"/>
                 </a:solidFill>
               </a:rPr>
-              <a:t>( </a:t>
-            </a:r>
-            <a:r>
-              <a:rPr lang="en-US" sz="4267" b="1" dirty="0" smtClean="0">
-                <a:solidFill>
-                  <a:srgbClr val="000066"/>
-                </a:solidFill>
-              </a:rPr>
-              <a:t>2 </a:t>
-            </a:r>
-            <a:r>
-              <a:rPr lang="en-US" sz="4267" b="1" dirty="0">
-                <a:solidFill>
-                  <a:srgbClr val="000066"/>
-                </a:solidFill>
-              </a:rPr>
-              <a:t>)</a:t>
+              <a:t>( 2 / 4 )</a:t>
             </a:r>
             <a:endParaRPr lang="vi-VN" sz="4267" b="1" dirty="0">
               <a:solidFill>
@@ -5135,23 +5108,7 @@
                   <a:srgbClr val="000066"/>
                 </a:solidFill>
               </a:rPr>
-              <a:t>( </a:t>
-            </a:r>
-            <a:r>
-              <a:rPr lang="en-US" sz="4267" b="1" dirty="0" smtClean="0">
-                <a:solidFill>
-                  <a:srgbClr val="000066"/>
-                </a:solidFill>
-              </a:rPr>
-              <a:t>2 </a:t>
-            </a:r>
-            <a:r>
-              <a:rPr lang="en-US" sz="4267" b="1" dirty="0">
-                <a:solidFill>
-                  <a:srgbClr val="000066"/>
-                </a:solidFill>
-              </a:rPr>
-              <a:t>)</a:t>
+              <a:t>( 2 / 4 )</a:t>
             </a:r>
             <a:endParaRPr lang="vi-VN" sz="4267" b="1" dirty="0">
               <a:solidFill>
@@ -5449,23 +5406,7 @@
                   <a:srgbClr val="000066"/>
                 </a:solidFill>
               </a:rPr>
-              <a:t>( </a:t>
-            </a:r>
-            <a:r>
-              <a:rPr lang="en-US" sz="4267" b="1" dirty="0" smtClean="0">
-                <a:solidFill>
-                  <a:srgbClr val="000066"/>
-                </a:solidFill>
-              </a:rPr>
-              <a:t>2 </a:t>
-            </a:r>
-            <a:r>
-              <a:rPr lang="en-US" sz="4267" b="1" dirty="0">
-                <a:solidFill>
-                  <a:srgbClr val="000066"/>
-                </a:solidFill>
-              </a:rPr>
-              <a:t>)</a:t>
+              <a:t>( 2 / 4 )</a:t>
             </a:r>
             <a:endParaRPr lang="vi-VN" sz="4267" b="1" dirty="0">
               <a:solidFill>
@@ -5763,23 +5704,7 @@
                   <a:srgbClr val="000066"/>
                 </a:solidFill>
               </a:rPr>
-              <a:t>( </a:t>
-            </a:r>
-            <a:r>
-              <a:rPr lang="en-US" sz="4267" b="1" dirty="0" smtClean="0">
-                <a:solidFill>
-                  <a:srgbClr val="000066"/>
-                </a:solidFill>
-              </a:rPr>
-              <a:t>2 </a:t>
-            </a:r>
-            <a:r>
-              <a:rPr lang="en-US" sz="4267" b="1" dirty="0">
-                <a:solidFill>
-                  <a:srgbClr val="000066"/>
-                </a:solidFill>
-              </a:rPr>
-              <a:t>)</a:t>
+              <a:t>( 2 / 4 )</a:t>
             </a:r>
             <a:endParaRPr lang="vi-VN" sz="4267" b="1" dirty="0">
               <a:solidFill>
@@ -6077,23 +6002,7 @@
                   <a:srgbClr val="000066"/>
                 </a:solidFill>
               </a:rPr>
-              <a:t>( </a:t>
-            </a:r>
-            <a:r>
-              <a:rPr lang="en-US" sz="4267" b="1" dirty="0" smtClean="0">
-                <a:solidFill>
-                  <a:srgbClr val="000066"/>
-                </a:solidFill>
-              </a:rPr>
-              <a:t>2 </a:t>
-            </a:r>
-            <a:r>
-              <a:rPr lang="en-US" sz="4267" b="1" dirty="0">
-                <a:solidFill>
-                  <a:srgbClr val="000066"/>
-                </a:solidFill>
-              </a:rPr>
-              <a:t>)</a:t>
+              <a:t>( 2 / 4 )</a:t>
             </a:r>
             <a:endParaRPr lang="vi-VN" sz="4267" b="1" dirty="0">
               <a:solidFill>
@@ -6391,23 +6300,7 @@
                   <a:srgbClr val="000066"/>
                 </a:solidFill>
               </a:rPr>
-              <a:t>( </a:t>
-            </a:r>
-            <a:r>
-              <a:rPr lang="en-US" sz="4267" b="1" dirty="0" smtClean="0">
-                <a:solidFill>
-                  <a:srgbClr val="000066"/>
-                </a:solidFill>
-              </a:rPr>
-              <a:t>2 </a:t>
-            </a:r>
-            <a:r>
-              <a:rPr lang="en-US" sz="4267" b="1" dirty="0">
-                <a:solidFill>
-                  <a:srgbClr val="000066"/>
-                </a:solidFill>
-              </a:rPr>
-              <a:t>)</a:t>
+              <a:t>( 2 / 4 )</a:t>
             </a:r>
             <a:endParaRPr lang="vi-VN" sz="4267" b="1" dirty="0">
               <a:solidFill>
@@ -6715,7 +6608,23 @@
                   <a:srgbClr val="000066"/>
                 </a:solidFill>
               </a:rPr>
-              <a:t>( 1 )</a:t>
+              <a:t>( </a:t>
+            </a:r>
+            <a:r>
+              <a:rPr lang="en-US" sz="4267" b="1" dirty="0" smtClean="0">
+                <a:solidFill>
+                  <a:srgbClr val="000066"/>
+                </a:solidFill>
+              </a:rPr>
+              <a:t>1 / 4 </a:t>
+            </a:r>
+            <a:r>
+              <a:rPr lang="en-US" sz="4267" b="1" dirty="0">
+                <a:solidFill>
+                  <a:srgbClr val="000066"/>
+                </a:solidFill>
+              </a:rPr>
+              <a:t>)</a:t>
             </a:r>
             <a:endParaRPr lang="vi-VN" sz="4267" b="1" dirty="0">
               <a:solidFill>
@@ -7013,23 +6922,7 @@
                   <a:srgbClr val="000066"/>
                 </a:solidFill>
               </a:rPr>
-              <a:t>( </a:t>
-            </a:r>
-            <a:r>
-              <a:rPr lang="en-US" sz="4267" b="1" dirty="0" smtClean="0">
-                <a:solidFill>
-                  <a:srgbClr val="000066"/>
-                </a:solidFill>
-              </a:rPr>
-              <a:t>2 </a:t>
-            </a:r>
-            <a:r>
-              <a:rPr lang="en-US" sz="4267" b="1" dirty="0">
-                <a:solidFill>
-                  <a:srgbClr val="000066"/>
-                </a:solidFill>
-              </a:rPr>
-              <a:t>)</a:t>
+              <a:t>( 2 / 4 )</a:t>
             </a:r>
             <a:endParaRPr lang="vi-VN" sz="4267" b="1" dirty="0">
               <a:solidFill>
@@ -7327,23 +7220,7 @@
                   <a:srgbClr val="000066"/>
                 </a:solidFill>
               </a:rPr>
-              <a:t>( </a:t>
-            </a:r>
-            <a:r>
-              <a:rPr lang="en-US" sz="4267" b="1" dirty="0" smtClean="0">
-                <a:solidFill>
-                  <a:srgbClr val="000066"/>
-                </a:solidFill>
-              </a:rPr>
-              <a:t>2 </a:t>
-            </a:r>
-            <a:r>
-              <a:rPr lang="en-US" sz="4267" b="1" dirty="0">
-                <a:solidFill>
-                  <a:srgbClr val="000066"/>
-                </a:solidFill>
-              </a:rPr>
-              <a:t>)</a:t>
+              <a:t>( 2 / 4 )</a:t>
             </a:r>
             <a:endParaRPr lang="vi-VN" sz="4267" b="1" dirty="0">
               <a:solidFill>
@@ -7657,7 +7534,7 @@
                   <a:srgbClr val="000066"/>
                 </a:solidFill>
               </a:rPr>
-              <a:t>)</a:t>
+              <a:t>/ 4 )</a:t>
             </a:r>
             <a:endParaRPr lang="vi-VN" sz="4267" b="1" dirty="0">
               <a:solidFill>
@@ -7955,23 +7832,7 @@
                   <a:srgbClr val="000066"/>
                 </a:solidFill>
               </a:rPr>
-              <a:t>( </a:t>
-            </a:r>
-            <a:r>
-              <a:rPr lang="en-US" sz="4267" b="1" dirty="0" smtClean="0">
-                <a:solidFill>
-                  <a:srgbClr val="000066"/>
-                </a:solidFill>
-              </a:rPr>
-              <a:t>3 </a:t>
-            </a:r>
-            <a:r>
-              <a:rPr lang="en-US" sz="4267" b="1" dirty="0">
-                <a:solidFill>
-                  <a:srgbClr val="000066"/>
-                </a:solidFill>
-              </a:rPr>
-              <a:t>)</a:t>
+              <a:t>( 3 / 4 )</a:t>
             </a:r>
             <a:endParaRPr lang="vi-VN" sz="4267" b="1" dirty="0">
               <a:solidFill>
@@ -8269,23 +8130,7 @@
                   <a:srgbClr val="000066"/>
                 </a:solidFill>
               </a:rPr>
-              <a:t>( </a:t>
-            </a:r>
-            <a:r>
-              <a:rPr lang="en-US" sz="4267" b="1" dirty="0" smtClean="0">
-                <a:solidFill>
-                  <a:srgbClr val="000066"/>
-                </a:solidFill>
-              </a:rPr>
-              <a:t>3 </a:t>
-            </a:r>
-            <a:r>
-              <a:rPr lang="en-US" sz="4267" b="1" dirty="0">
-                <a:solidFill>
-                  <a:srgbClr val="000066"/>
-                </a:solidFill>
-              </a:rPr>
-              <a:t>)</a:t>
+              <a:t>( 3 / 4 )</a:t>
             </a:r>
             <a:endParaRPr lang="vi-VN" sz="4267" b="1" dirty="0">
               <a:solidFill>
@@ -8583,23 +8428,7 @@
                   <a:srgbClr val="000066"/>
                 </a:solidFill>
               </a:rPr>
-              <a:t>( </a:t>
-            </a:r>
-            <a:r>
-              <a:rPr lang="en-US" sz="4267" b="1" dirty="0" smtClean="0">
-                <a:solidFill>
-                  <a:srgbClr val="000066"/>
-                </a:solidFill>
-              </a:rPr>
-              <a:t>3 </a:t>
-            </a:r>
-            <a:r>
-              <a:rPr lang="en-US" sz="4267" b="1" dirty="0">
-                <a:solidFill>
-                  <a:srgbClr val="000066"/>
-                </a:solidFill>
-              </a:rPr>
-              <a:t>)</a:t>
+              <a:t>( 3 / 4 )</a:t>
             </a:r>
             <a:endParaRPr lang="vi-VN" sz="4267" b="1" dirty="0">
               <a:solidFill>
@@ -8897,23 +8726,7 @@
                   <a:srgbClr val="000066"/>
                 </a:solidFill>
               </a:rPr>
-              <a:t>( </a:t>
-            </a:r>
-            <a:r>
-              <a:rPr lang="en-US" sz="4267" b="1" dirty="0" smtClean="0">
-                <a:solidFill>
-                  <a:srgbClr val="000066"/>
-                </a:solidFill>
-              </a:rPr>
-              <a:t>3 </a:t>
-            </a:r>
-            <a:r>
-              <a:rPr lang="en-US" sz="4267" b="1" dirty="0">
-                <a:solidFill>
-                  <a:srgbClr val="000066"/>
-                </a:solidFill>
-              </a:rPr>
-              <a:t>)</a:t>
+              <a:t>( 3 / 4 )</a:t>
             </a:r>
             <a:endParaRPr lang="vi-VN" sz="4267" b="1" dirty="0">
               <a:solidFill>
@@ -9211,23 +9024,7 @@
                   <a:srgbClr val="000066"/>
                 </a:solidFill>
               </a:rPr>
-              <a:t>( </a:t>
-            </a:r>
-            <a:r>
-              <a:rPr lang="en-US" sz="4267" b="1" dirty="0" smtClean="0">
-                <a:solidFill>
-                  <a:srgbClr val="000066"/>
-                </a:solidFill>
-              </a:rPr>
-              <a:t>3 </a:t>
-            </a:r>
-            <a:r>
-              <a:rPr lang="en-US" sz="4267" b="1" dirty="0">
-                <a:solidFill>
-                  <a:srgbClr val="000066"/>
-                </a:solidFill>
-              </a:rPr>
-              <a:t>)</a:t>
+              <a:t>( 3 / 4 )</a:t>
             </a:r>
             <a:endParaRPr lang="vi-VN" sz="4267" b="1" dirty="0">
               <a:solidFill>
@@ -9839,23 +9636,7 @@
                   <a:srgbClr val="000066"/>
                 </a:solidFill>
               </a:rPr>
-              <a:t>( </a:t>
-            </a:r>
-            <a:r>
-              <a:rPr lang="en-US" sz="4267" b="1" dirty="0" smtClean="0">
-                <a:solidFill>
-                  <a:srgbClr val="000066"/>
-                </a:solidFill>
-              </a:rPr>
-              <a:t>3 </a:t>
-            </a:r>
-            <a:r>
-              <a:rPr lang="en-US" sz="4267" b="1" dirty="0">
-                <a:solidFill>
-                  <a:srgbClr val="000066"/>
-                </a:solidFill>
-              </a:rPr>
-              <a:t>)</a:t>
+              <a:t>( 3 / 4 )</a:t>
             </a:r>
             <a:endParaRPr lang="vi-VN" sz="4267" b="1" dirty="0">
               <a:solidFill>
@@ -10153,7 +9934,7 @@
                   <a:srgbClr val="000066"/>
                 </a:solidFill>
               </a:rPr>
-              <a:t>( 1 )</a:t>
+              <a:t>( 1 / 4 )</a:t>
             </a:r>
             <a:endParaRPr lang="vi-VN" sz="4267" b="1" dirty="0">
               <a:solidFill>
@@ -10451,23 +10232,7 @@
                   <a:srgbClr val="000066"/>
                 </a:solidFill>
               </a:rPr>
-              <a:t>( </a:t>
-            </a:r>
-            <a:r>
-              <a:rPr lang="en-US" sz="4267" b="1" dirty="0" smtClean="0">
-                <a:solidFill>
-                  <a:srgbClr val="000066"/>
-                </a:solidFill>
-              </a:rPr>
-              <a:t>3 </a:t>
-            </a:r>
-            <a:r>
-              <a:rPr lang="en-US" sz="4267" b="1" dirty="0">
-                <a:solidFill>
-                  <a:srgbClr val="000066"/>
-                </a:solidFill>
-              </a:rPr>
-              <a:t>)</a:t>
+              <a:t>( 3 / 4 )</a:t>
             </a:r>
             <a:endParaRPr lang="vi-VN" sz="4267" b="1" dirty="0">
               <a:solidFill>
@@ -10765,23 +10530,7 @@
                   <a:srgbClr val="000066"/>
                 </a:solidFill>
               </a:rPr>
-              <a:t>( </a:t>
-            </a:r>
-            <a:r>
-              <a:rPr lang="en-US" sz="4267" b="1" dirty="0" smtClean="0">
-                <a:solidFill>
-                  <a:srgbClr val="000066"/>
-                </a:solidFill>
-              </a:rPr>
-              <a:t>3 </a:t>
-            </a:r>
-            <a:r>
-              <a:rPr lang="en-US" sz="4267" b="1" dirty="0">
-                <a:solidFill>
-                  <a:srgbClr val="000066"/>
-                </a:solidFill>
-              </a:rPr>
-              <a:t>)</a:t>
+              <a:t>( 3 / 4 )</a:t>
             </a:r>
             <a:endParaRPr lang="vi-VN" sz="4267" b="1" dirty="0">
               <a:solidFill>
@@ -11095,7 +10844,7 @@
                   <a:srgbClr val="000066"/>
                 </a:solidFill>
               </a:rPr>
-              <a:t>)</a:t>
+              <a:t>/ 4 )</a:t>
             </a:r>
             <a:endParaRPr lang="vi-VN" sz="4267" b="1" dirty="0">
               <a:solidFill>
@@ -11393,23 +11142,7 @@
                   <a:srgbClr val="000066"/>
                 </a:solidFill>
               </a:rPr>
-              <a:t>( </a:t>
-            </a:r>
-            <a:r>
-              <a:rPr lang="en-US" sz="4267" b="1" dirty="0" smtClean="0">
-                <a:solidFill>
-                  <a:srgbClr val="000066"/>
-                </a:solidFill>
-              </a:rPr>
-              <a:t>4 </a:t>
-            </a:r>
-            <a:r>
-              <a:rPr lang="en-US" sz="4267" b="1" dirty="0">
-                <a:solidFill>
-                  <a:srgbClr val="000066"/>
-                </a:solidFill>
-              </a:rPr>
-              <a:t>)</a:t>
+              <a:t>( 4 / 4 )</a:t>
             </a:r>
             <a:endParaRPr lang="vi-VN" sz="4267" b="1" dirty="0">
               <a:solidFill>
@@ -11707,23 +11440,7 @@
                   <a:srgbClr val="000066"/>
                 </a:solidFill>
               </a:rPr>
-              <a:t>( </a:t>
-            </a:r>
-            <a:r>
-              <a:rPr lang="en-US" sz="4267" b="1" dirty="0" smtClean="0">
-                <a:solidFill>
-                  <a:srgbClr val="000066"/>
-                </a:solidFill>
-              </a:rPr>
-              <a:t>4 </a:t>
-            </a:r>
-            <a:r>
-              <a:rPr lang="en-US" sz="4267" b="1" dirty="0">
-                <a:solidFill>
-                  <a:srgbClr val="000066"/>
-                </a:solidFill>
-              </a:rPr>
-              <a:t>)</a:t>
+              <a:t>( 4 / 4 )</a:t>
             </a:r>
             <a:endParaRPr lang="vi-VN" sz="4267" b="1" dirty="0">
               <a:solidFill>
@@ -12021,23 +11738,7 @@
                   <a:srgbClr val="000066"/>
                 </a:solidFill>
               </a:rPr>
-              <a:t>( </a:t>
-            </a:r>
-            <a:r>
-              <a:rPr lang="en-US" sz="4267" b="1" dirty="0" smtClean="0">
-                <a:solidFill>
-                  <a:srgbClr val="000066"/>
-                </a:solidFill>
-              </a:rPr>
-              <a:t>4 </a:t>
-            </a:r>
-            <a:r>
-              <a:rPr lang="en-US" sz="4267" b="1" dirty="0">
-                <a:solidFill>
-                  <a:srgbClr val="000066"/>
-                </a:solidFill>
-              </a:rPr>
-              <a:t>)</a:t>
+              <a:t>( 4 / 4 )</a:t>
             </a:r>
             <a:endParaRPr lang="vi-VN" sz="4267" b="1" dirty="0">
               <a:solidFill>
@@ -12335,23 +12036,7 @@
                   <a:srgbClr val="000066"/>
                 </a:solidFill>
               </a:rPr>
-              <a:t>( </a:t>
-            </a:r>
-            <a:r>
-              <a:rPr lang="en-US" sz="4267" b="1" dirty="0" smtClean="0">
-                <a:solidFill>
-                  <a:srgbClr val="000066"/>
-                </a:solidFill>
-              </a:rPr>
-              <a:t>4 </a:t>
-            </a:r>
-            <a:r>
-              <a:rPr lang="en-US" sz="4267" b="1" dirty="0">
-                <a:solidFill>
-                  <a:srgbClr val="000066"/>
-                </a:solidFill>
-              </a:rPr>
-              <a:t>)</a:t>
+              <a:t>( 4 / 4 )</a:t>
             </a:r>
             <a:endParaRPr lang="vi-VN" sz="4267" b="1" dirty="0">
               <a:solidFill>
@@ -12649,23 +12334,7 @@
                   <a:srgbClr val="000066"/>
                 </a:solidFill>
               </a:rPr>
-              <a:t>( </a:t>
-            </a:r>
-            <a:r>
-              <a:rPr lang="en-US" sz="4267" b="1" dirty="0" smtClean="0">
-                <a:solidFill>
-                  <a:srgbClr val="000066"/>
-                </a:solidFill>
-              </a:rPr>
-              <a:t>4 </a:t>
-            </a:r>
-            <a:r>
-              <a:rPr lang="en-US" sz="4267" b="1" dirty="0">
-                <a:solidFill>
-                  <a:srgbClr val="000066"/>
-                </a:solidFill>
-              </a:rPr>
-              <a:t>)</a:t>
+              <a:t>( 4 / 4 )</a:t>
             </a:r>
             <a:endParaRPr lang="vi-VN" sz="4267" b="1" dirty="0">
               <a:solidFill>
@@ -12963,23 +12632,7 @@
                   <a:srgbClr val="000066"/>
                 </a:solidFill>
               </a:rPr>
-              <a:t>( </a:t>
-            </a:r>
-            <a:r>
-              <a:rPr lang="en-US" sz="4267" b="1" dirty="0" smtClean="0">
-                <a:solidFill>
-                  <a:srgbClr val="000066"/>
-                </a:solidFill>
-              </a:rPr>
-              <a:t>4 </a:t>
-            </a:r>
-            <a:r>
-              <a:rPr lang="en-US" sz="4267" b="1" dirty="0">
-                <a:solidFill>
-                  <a:srgbClr val="000066"/>
-                </a:solidFill>
-              </a:rPr>
-              <a:t>)</a:t>
+              <a:t>( 4 / 4 )</a:t>
             </a:r>
             <a:endParaRPr lang="vi-VN" sz="4267" b="1" dirty="0">
               <a:solidFill>
@@ -13277,23 +12930,7 @@
                   <a:srgbClr val="000066"/>
                 </a:solidFill>
               </a:rPr>
-              <a:t>( </a:t>
-            </a:r>
-            <a:r>
-              <a:rPr lang="en-US" sz="4267" b="1" dirty="0" smtClean="0">
-                <a:solidFill>
-                  <a:srgbClr val="000066"/>
-                </a:solidFill>
-              </a:rPr>
-              <a:t>4 </a:t>
-            </a:r>
-            <a:r>
-              <a:rPr lang="en-US" sz="4267" b="1" dirty="0">
-                <a:solidFill>
-                  <a:srgbClr val="000066"/>
-                </a:solidFill>
-              </a:rPr>
-              <a:t>)</a:t>
+              <a:t>( 4 / 4 )</a:t>
             </a:r>
             <a:endParaRPr lang="vi-VN" sz="4267" b="1" dirty="0">
               <a:solidFill>
@@ -13591,7 +13228,7 @@
                   <a:srgbClr val="000066"/>
                 </a:solidFill>
               </a:rPr>
-              <a:t>( 1 )</a:t>
+              <a:t>( 1 / 4 )</a:t>
             </a:r>
             <a:endParaRPr lang="vi-VN" sz="4267" b="1" dirty="0">
               <a:solidFill>
@@ -13889,23 +13526,7 @@
                   <a:srgbClr val="000066"/>
                 </a:solidFill>
               </a:rPr>
-              <a:t>( </a:t>
-            </a:r>
-            <a:r>
-              <a:rPr lang="en-US" sz="4267" b="1" dirty="0" smtClean="0">
-                <a:solidFill>
-                  <a:srgbClr val="000066"/>
-                </a:solidFill>
-              </a:rPr>
-              <a:t>4 </a:t>
-            </a:r>
-            <a:r>
-              <a:rPr lang="en-US" sz="4267" b="1" dirty="0">
-                <a:solidFill>
-                  <a:srgbClr val="000066"/>
-                </a:solidFill>
-              </a:rPr>
-              <a:t>)</a:t>
+              <a:t>( 4 / 4 )</a:t>
             </a:r>
             <a:endParaRPr lang="vi-VN" sz="4267" b="1" dirty="0">
               <a:solidFill>
@@ -14203,23 +13824,7 @@
                   <a:srgbClr val="000066"/>
                 </a:solidFill>
               </a:rPr>
-              <a:t>( </a:t>
-            </a:r>
-            <a:r>
-              <a:rPr lang="en-US" sz="4267" b="1" dirty="0" smtClean="0">
-                <a:solidFill>
-                  <a:srgbClr val="000066"/>
-                </a:solidFill>
-              </a:rPr>
-              <a:t>4 </a:t>
-            </a:r>
-            <a:r>
-              <a:rPr lang="en-US" sz="4267" b="1" dirty="0">
-                <a:solidFill>
-                  <a:srgbClr val="000066"/>
-                </a:solidFill>
-              </a:rPr>
-              <a:t>)</a:t>
+              <a:t>( 4 / 4 )</a:t>
             </a:r>
             <a:endParaRPr lang="vi-VN" sz="4267" b="1" dirty="0">
               <a:solidFill>
@@ -14517,7 +14122,7 @@
                   <a:srgbClr val="000066"/>
                 </a:solidFill>
               </a:rPr>
-              <a:t>( 1 )</a:t>
+              <a:t>( 1 / 4 )</a:t>
             </a:r>
             <a:endParaRPr lang="vi-VN" sz="4267" b="1" dirty="0">
               <a:solidFill>
@@ -14815,7 +14420,7 @@
                   <a:srgbClr val="000066"/>
                 </a:solidFill>
               </a:rPr>
-              <a:t>( 1 )</a:t>
+              <a:t>( 1 / 4 )</a:t>
             </a:r>
             <a:endParaRPr lang="vi-VN" sz="4267" b="1" dirty="0">
               <a:solidFill>
@@ -15113,7 +14718,7 @@
                   <a:srgbClr val="000066"/>
                 </a:solidFill>
               </a:rPr>
-              <a:t>( 1 )</a:t>
+              <a:t>( 1 / 4 )</a:t>
             </a:r>
             <a:endParaRPr lang="vi-VN" sz="4267" b="1" dirty="0">
               <a:solidFill>
@@ -15411,7 +15016,7 @@
                   <a:srgbClr val="000066"/>
                 </a:solidFill>
               </a:rPr>
-              <a:t>( 1 )</a:t>
+              <a:t>( 1 / 4 )</a:t>
             </a:r>
             <a:endParaRPr lang="vi-VN" sz="4267" b="1" dirty="0">
               <a:solidFill>
@@ -15709,7 +15314,7 @@
                   <a:srgbClr val="000066"/>
                 </a:solidFill>
               </a:rPr>
-              <a:t>( 1 )</a:t>
+              <a:t>( 1 / 4 )</a:t>
             </a:r>
             <a:endParaRPr lang="vi-VN" sz="4267" b="1" dirty="0">
               <a:solidFill>

--- a/中越詩歌/天使報信_Kìa Thiên Binh Cùng Nhau Trổi Hát.pptx
+++ b/中越詩歌/天使報信_Kìa Thiên Binh Cùng Nhau Trổi Hát.pptx
@@ -333,7 +333,7 @@
           <a:p>
             <a:fld id="{F98C8AF4-3B58-4868-8ABF-BFB3B1D0CE14}" type="datetimeFigureOut">
               <a:rPr lang="vi-VN" smtClean="0"/>
-              <a:t>20/12/2022</a:t>
+              <a:t>24/12/2022</a:t>
             </a:fld>
             <a:endParaRPr lang="vi-VN"/>
           </a:p>
@@ -503,7 +503,7 @@
           <a:p>
             <a:fld id="{F98C8AF4-3B58-4868-8ABF-BFB3B1D0CE14}" type="datetimeFigureOut">
               <a:rPr lang="vi-VN" smtClean="0"/>
-              <a:t>20/12/2022</a:t>
+              <a:t>24/12/2022</a:t>
             </a:fld>
             <a:endParaRPr lang="vi-VN"/>
           </a:p>
@@ -683,7 +683,7 @@
           <a:p>
             <a:fld id="{F98C8AF4-3B58-4868-8ABF-BFB3B1D0CE14}" type="datetimeFigureOut">
               <a:rPr lang="vi-VN" smtClean="0"/>
-              <a:t>20/12/2022</a:t>
+              <a:t>24/12/2022</a:t>
             </a:fld>
             <a:endParaRPr lang="vi-VN"/>
           </a:p>
@@ -853,7 +853,7 @@
           <a:p>
             <a:fld id="{F98C8AF4-3B58-4868-8ABF-BFB3B1D0CE14}" type="datetimeFigureOut">
               <a:rPr lang="vi-VN" smtClean="0"/>
-              <a:t>20/12/2022</a:t>
+              <a:t>24/12/2022</a:t>
             </a:fld>
             <a:endParaRPr lang="vi-VN"/>
           </a:p>
@@ -1099,7 +1099,7 @@
           <a:p>
             <a:fld id="{F98C8AF4-3B58-4868-8ABF-BFB3B1D0CE14}" type="datetimeFigureOut">
               <a:rPr lang="vi-VN" smtClean="0"/>
-              <a:t>20/12/2022</a:t>
+              <a:t>24/12/2022</a:t>
             </a:fld>
             <a:endParaRPr lang="vi-VN"/>
           </a:p>
@@ -1387,7 +1387,7 @@
           <a:p>
             <a:fld id="{F98C8AF4-3B58-4868-8ABF-BFB3B1D0CE14}" type="datetimeFigureOut">
               <a:rPr lang="vi-VN" smtClean="0"/>
-              <a:t>20/12/2022</a:t>
+              <a:t>24/12/2022</a:t>
             </a:fld>
             <a:endParaRPr lang="vi-VN"/>
           </a:p>
@@ -1809,7 +1809,7 @@
           <a:p>
             <a:fld id="{F98C8AF4-3B58-4868-8ABF-BFB3B1D0CE14}" type="datetimeFigureOut">
               <a:rPr lang="vi-VN" smtClean="0"/>
-              <a:t>20/12/2022</a:t>
+              <a:t>24/12/2022</a:t>
             </a:fld>
             <a:endParaRPr lang="vi-VN"/>
           </a:p>
@@ -1927,7 +1927,7 @@
           <a:p>
             <a:fld id="{F98C8AF4-3B58-4868-8ABF-BFB3B1D0CE14}" type="datetimeFigureOut">
               <a:rPr lang="vi-VN" smtClean="0"/>
-              <a:t>20/12/2022</a:t>
+              <a:t>24/12/2022</a:t>
             </a:fld>
             <a:endParaRPr lang="vi-VN"/>
           </a:p>
@@ -2022,7 +2022,7 @@
           <a:p>
             <a:fld id="{F98C8AF4-3B58-4868-8ABF-BFB3B1D0CE14}" type="datetimeFigureOut">
               <a:rPr lang="vi-VN" smtClean="0"/>
-              <a:t>20/12/2022</a:t>
+              <a:t>24/12/2022</a:t>
             </a:fld>
             <a:endParaRPr lang="vi-VN"/>
           </a:p>
@@ -2299,7 +2299,7 @@
           <a:p>
             <a:fld id="{F98C8AF4-3B58-4868-8ABF-BFB3B1D0CE14}" type="datetimeFigureOut">
               <a:rPr lang="vi-VN" smtClean="0"/>
-              <a:t>20/12/2022</a:t>
+              <a:t>24/12/2022</a:t>
             </a:fld>
             <a:endParaRPr lang="vi-VN"/>
           </a:p>
@@ -2556,7 +2556,7 @@
           <a:p>
             <a:fld id="{F98C8AF4-3B58-4868-8ABF-BFB3B1D0CE14}" type="datetimeFigureOut">
               <a:rPr lang="vi-VN" smtClean="0"/>
-              <a:t>20/12/2022</a:t>
+              <a:t>24/12/2022</a:t>
             </a:fld>
             <a:endParaRPr lang="vi-VN"/>
           </a:p>
@@ -2774,7 +2774,7 @@
           <a:p>
             <a:fld id="{F98C8AF4-3B58-4868-8ABF-BFB3B1D0CE14}" type="datetimeFigureOut">
               <a:rPr lang="vi-VN" smtClean="0"/>
-              <a:t>20/12/2022</a:t>
+              <a:t>24/12/2022</a:t>
             </a:fld>
             <a:endParaRPr lang="vi-VN"/>
           </a:p>
@@ -4470,7 +4470,29 @@
                 <a:ea typeface="微軟正黑體" pitchFamily="34" charset="-120"/>
                 <a:cs typeface="Calibri" panose="020F0502020204030204" pitchFamily="34" charset="0"/>
               </a:rPr>
-              <a:t>Cứu Chúa Christ vĩnh sanh vô đối</a:t>
+              <a:t>Cứu Chúa Christ </a:t>
+            </a:r>
+            <a:r>
+              <a:rPr lang="vi-VN" sz="4400" b="1" dirty="0" smtClean="0">
+                <a:solidFill>
+                  <a:srgbClr val="000066"/>
+                </a:solidFill>
+                <a:latin typeface="Calibri" panose="020F0502020204030204" pitchFamily="34" charset="0"/>
+                <a:ea typeface="微軟正黑體" pitchFamily="34" charset="-120"/>
+                <a:cs typeface="Calibri" panose="020F0502020204030204" pitchFamily="34" charset="0"/>
+              </a:rPr>
+              <a:t>vững </a:t>
+            </a:r>
+            <a:r>
+              <a:rPr lang="vi-VN" sz="4400" b="1" dirty="0">
+                <a:solidFill>
+                  <a:srgbClr val="000066"/>
+                </a:solidFill>
+                <a:latin typeface="Calibri" panose="020F0502020204030204" pitchFamily="34" charset="0"/>
+                <a:ea typeface="微軟正黑體" pitchFamily="34" charset="-120"/>
+                <a:cs typeface="Calibri" panose="020F0502020204030204" pitchFamily="34" charset="0"/>
+              </a:rPr>
+              <a:t>sanh vô đối</a:t>
             </a:r>
             <a:endParaRPr lang="en-US" sz="4400" b="1" dirty="0">
               <a:solidFill>
@@ -8088,7 +8110,18 @@
                 <a:ea typeface="微軟正黑體" pitchFamily="34" charset="-120"/>
                 <a:cs typeface="Calibri" panose="020F0502020204030204" pitchFamily="34" charset="0"/>
               </a:rPr>
-              <a:t>Ngài đem theo thần quang vĩnh sanh</a:t>
+              <a:t>Ngài đem theo thần quang vĩnh </a:t>
+            </a:r>
+            <a:r>
+              <a:rPr lang="vi-VN" sz="4400" b="1" dirty="0" smtClean="0">
+                <a:solidFill>
+                  <a:srgbClr val="000066"/>
+                </a:solidFill>
+                <a:latin typeface="Calibri" panose="020F0502020204030204" pitchFamily="34" charset="0"/>
+                <a:ea typeface="微軟正黑體" pitchFamily="34" charset="-120"/>
+                <a:cs typeface="Calibri" panose="020F0502020204030204" pitchFamily="34" charset="0"/>
+              </a:rPr>
+              <a:t>sạch</a:t>
             </a:r>
             <a:endParaRPr lang="en-US" sz="4400" b="1" dirty="0">
               <a:solidFill>
@@ -9330,7 +9363,7 @@
                   <a:srgbClr val="000066"/>
                 </a:solidFill>
               </a:rPr>
-              <a:t>3 </a:t>
+              <a:t>3 / 4 </a:t>
             </a:r>
             <a:r>
               <a:rPr lang="en-US" sz="4267" b="1" dirty="0">
@@ -9892,7 +9925,29 @@
                 <a:ea typeface="微軟正黑體" pitchFamily="34" charset="-120"/>
                 <a:cs typeface="Calibri" panose="020F0502020204030204" pitchFamily="34" charset="0"/>
               </a:rPr>
-              <a:t>Chúc Thánh Ðế mới sanh trên đất</a:t>
+              <a:t>Chúc Thánh Ðế mới </a:t>
+            </a:r>
+            <a:r>
+              <a:rPr lang="vi-VN" sz="4400" b="1" dirty="0" smtClean="0">
+                <a:solidFill>
+                  <a:srgbClr val="000066"/>
+                </a:solidFill>
+                <a:latin typeface="Calibri" panose="020F0502020204030204" pitchFamily="34" charset="0"/>
+                <a:ea typeface="微軟正黑體" pitchFamily="34" charset="-120"/>
+                <a:cs typeface="Calibri" panose="020F0502020204030204" pitchFamily="34" charset="0"/>
+              </a:rPr>
+              <a:t>sinh </a:t>
+            </a:r>
+            <a:r>
+              <a:rPr lang="vi-VN" sz="4400" b="1" dirty="0">
+                <a:solidFill>
+                  <a:srgbClr val="000066"/>
+                </a:solidFill>
+                <a:latin typeface="Calibri" panose="020F0502020204030204" pitchFamily="34" charset="0"/>
+                <a:ea typeface="微軟正黑體" pitchFamily="34" charset="-120"/>
+                <a:cs typeface="Calibri" panose="020F0502020204030204" pitchFamily="34" charset="0"/>
+              </a:rPr>
+              <a:t>trên đất</a:t>
             </a:r>
             <a:endParaRPr lang="en-US" sz="4400" b="1" dirty="0">
               <a:solidFill>
